--- a/Introduction/Modeling and Data Uncertainties by Mahadevan.pptx
+++ b/Introduction/Modeling and Data Uncertainties by Mahadevan.pptx
@@ -21,13 +21,11 @@
     <p:sldId id="269" r:id="rId15"/>
     <p:sldId id="270" r:id="rId16"/>
     <p:sldId id="271" r:id="rId17"/>
-    <p:sldId id="272" r:id="rId18"/>
-    <p:sldId id="273" r:id="rId19"/>
-    <p:sldId id="274" r:id="rId20"/>
-    <p:sldId id="275" r:id="rId21"/>
-    <p:sldId id="276" r:id="rId22"/>
-    <p:sldId id="277" r:id="rId23"/>
-    <p:sldId id="278" r:id="rId24"/>
+    <p:sldId id="273" r:id="rId18"/>
+    <p:sldId id="274" r:id="rId19"/>
+    <p:sldId id="276" r:id="rId20"/>
+    <p:sldId id="277" r:id="rId21"/>
+    <p:sldId id="278" r:id="rId22"/>
   </p:sldIdLst>
   <p:sldSz cx="12192000" cy="6858000"/>
   <p:notesSz cx="6858000" cy="9144000"/>
@@ -265,7 +263,7 @@
           <a:p>
             <a:fld id="{0991DCF0-06C4-4E8C-B070-09C1779F5134}" type="datetimeFigureOut">
               <a:rPr lang="en-CA" smtClean="0"/>
-              <a:t>2017-12-29</a:t>
+              <a:t>2018-01-06</a:t>
             </a:fld>
             <a:endParaRPr lang="en-CA"/>
           </a:p>
@@ -435,7 +433,7 @@
           <a:p>
             <a:fld id="{0991DCF0-06C4-4E8C-B070-09C1779F5134}" type="datetimeFigureOut">
               <a:rPr lang="en-CA" smtClean="0"/>
-              <a:t>2017-12-29</a:t>
+              <a:t>2018-01-06</a:t>
             </a:fld>
             <a:endParaRPr lang="en-CA"/>
           </a:p>
@@ -615,7 +613,7 @@
           <a:p>
             <a:fld id="{0991DCF0-06C4-4E8C-B070-09C1779F5134}" type="datetimeFigureOut">
               <a:rPr lang="en-CA" smtClean="0"/>
-              <a:t>2017-12-29</a:t>
+              <a:t>2018-01-06</a:t>
             </a:fld>
             <a:endParaRPr lang="en-CA"/>
           </a:p>
@@ -785,7 +783,7 @@
           <a:p>
             <a:fld id="{0991DCF0-06C4-4E8C-B070-09C1779F5134}" type="datetimeFigureOut">
               <a:rPr lang="en-CA" smtClean="0"/>
-              <a:t>2017-12-29</a:t>
+              <a:t>2018-01-06</a:t>
             </a:fld>
             <a:endParaRPr lang="en-CA"/>
           </a:p>
@@ -1031,7 +1029,7 @@
           <a:p>
             <a:fld id="{0991DCF0-06C4-4E8C-B070-09C1779F5134}" type="datetimeFigureOut">
               <a:rPr lang="en-CA" smtClean="0"/>
-              <a:t>2017-12-29</a:t>
+              <a:t>2018-01-06</a:t>
             </a:fld>
             <a:endParaRPr lang="en-CA"/>
           </a:p>
@@ -1263,7 +1261,7 @@
           <a:p>
             <a:fld id="{0991DCF0-06C4-4E8C-B070-09C1779F5134}" type="datetimeFigureOut">
               <a:rPr lang="en-CA" smtClean="0"/>
-              <a:t>2017-12-29</a:t>
+              <a:t>2018-01-06</a:t>
             </a:fld>
             <a:endParaRPr lang="en-CA"/>
           </a:p>
@@ -1630,7 +1628,7 @@
           <a:p>
             <a:fld id="{0991DCF0-06C4-4E8C-B070-09C1779F5134}" type="datetimeFigureOut">
               <a:rPr lang="en-CA" smtClean="0"/>
-              <a:t>2017-12-29</a:t>
+              <a:t>2018-01-06</a:t>
             </a:fld>
             <a:endParaRPr lang="en-CA"/>
           </a:p>
@@ -1748,7 +1746,7 @@
           <a:p>
             <a:fld id="{0991DCF0-06C4-4E8C-B070-09C1779F5134}" type="datetimeFigureOut">
               <a:rPr lang="en-CA" smtClean="0"/>
-              <a:t>2017-12-29</a:t>
+              <a:t>2018-01-06</a:t>
             </a:fld>
             <a:endParaRPr lang="en-CA"/>
           </a:p>
@@ -1843,7 +1841,7 @@
           <a:p>
             <a:fld id="{0991DCF0-06C4-4E8C-B070-09C1779F5134}" type="datetimeFigureOut">
               <a:rPr lang="en-CA" smtClean="0"/>
-              <a:t>2017-12-29</a:t>
+              <a:t>2018-01-06</a:t>
             </a:fld>
             <a:endParaRPr lang="en-CA"/>
           </a:p>
@@ -2120,7 +2118,7 @@
           <a:p>
             <a:fld id="{0991DCF0-06C4-4E8C-B070-09C1779F5134}" type="datetimeFigureOut">
               <a:rPr lang="en-CA" smtClean="0"/>
-              <a:t>2017-12-29</a:t>
+              <a:t>2018-01-06</a:t>
             </a:fld>
             <a:endParaRPr lang="en-CA"/>
           </a:p>
@@ -2373,7 +2371,7 @@
           <a:p>
             <a:fld id="{0991DCF0-06C4-4E8C-B070-09C1779F5134}" type="datetimeFigureOut">
               <a:rPr lang="en-CA" smtClean="0"/>
-              <a:t>2017-12-29</a:t>
+              <a:t>2018-01-06</a:t>
             </a:fld>
             <a:endParaRPr lang="en-CA"/>
           </a:p>
@@ -2586,7 +2584,7 @@
           <a:p>
             <a:fld id="{0991DCF0-06C4-4E8C-B070-09C1779F5134}" type="datetimeFigureOut">
               <a:rPr lang="en-CA" smtClean="0"/>
-              <a:t>2017-12-29</a:t>
+              <a:t>2018-01-06</a:t>
             </a:fld>
             <a:endParaRPr lang="en-CA"/>
           </a:p>
@@ -3010,7 +3008,6 @@
               <a:rPr lang="en-CA" dirty="0"/>
               <a:t>Modeling and Data Uncertainties</a:t>
             </a:r>
-            <a:endParaRPr lang="en-CA" dirty="0"/>
           </a:p>
         </p:txBody>
       </p:sp>
@@ -3092,6 +3089,13 @@
   <p:clrMapOvr>
     <a:masterClrMapping/>
   </p:clrMapOvr>
+  <p:timing>
+    <p:tnLst>
+      <p:par>
+        <p:cTn id="1" dur="indefinite" restart="never" nodeType="tmRoot"/>
+      </p:par>
+    </p:tnLst>
+  </p:timing>
 </p:sld>
 </file>
 
@@ -3355,8 +3359,8 @@
         </p:blipFill>
         <p:spPr>
           <a:xfrm>
-            <a:off x="338520" y="1539728"/>
-            <a:ext cx="4199760" cy="3279780"/>
+            <a:off x="763062" y="478371"/>
+            <a:ext cx="7428437" cy="5801198"/>
           </a:xfrm>
           <a:prstGeom prst="rect">
             <a:avLst/>
@@ -3458,8 +3462,8 @@
         </p:blipFill>
         <p:spPr>
           <a:xfrm>
-            <a:off x="1937491" y="0"/>
-            <a:ext cx="8317018" cy="6858000"/>
+            <a:off x="538868" y="1768929"/>
+            <a:ext cx="5709698" cy="4708071"/>
           </a:xfrm>
           <a:prstGeom prst="rect">
             <a:avLst/>
@@ -3550,8 +3554,8 @@
         </p:blipFill>
         <p:spPr>
           <a:xfrm>
-            <a:off x="1072787" y="0"/>
-            <a:ext cx="10046425" cy="6858000"/>
+            <a:off x="925906" y="59871"/>
+            <a:ext cx="9958719" cy="6798129"/>
           </a:xfrm>
           <a:prstGeom prst="rect">
             <a:avLst/>
@@ -3747,8 +3751,8 @@
         </p:blipFill>
         <p:spPr>
           <a:xfrm>
-            <a:off x="1329510" y="0"/>
-            <a:ext cx="9532979" cy="6858000"/>
+            <a:off x="713015" y="0"/>
+            <a:ext cx="8848632" cy="6365683"/>
           </a:xfrm>
           <a:prstGeom prst="rect">
             <a:avLst/>
@@ -3769,98 +3773,6 @@
 </file>
 
 <file path=ppt/slides/slide17.xml><?xml version="1.0" encoding="utf-8"?>
-<p:sld xmlns:a="http://schemas.openxmlformats.org/drawingml/2006/main" xmlns:r="http://schemas.openxmlformats.org/officeDocument/2006/relationships" xmlns:p="http://schemas.openxmlformats.org/presentationml/2006/main">
-  <p:cSld>
-    <p:spTree>
-      <p:nvGrpSpPr>
-        <p:cNvPr id="1" name=""/>
-        <p:cNvGrpSpPr/>
-        <p:nvPr/>
-      </p:nvGrpSpPr>
-      <p:grpSpPr>
-        <a:xfrm>
-          <a:off x="0" y="0"/>
-          <a:ext cx="0" cy="0"/>
-          <a:chOff x="0" y="0"/>
-          <a:chExt cx="0" cy="0"/>
-        </a:xfrm>
-      </p:grpSpPr>
-      <p:sp>
-        <p:nvSpPr>
-          <p:cNvPr id="2" name="Title 1"/>
-          <p:cNvSpPr>
-            <a:spLocks noGrp="1"/>
-          </p:cNvSpPr>
-          <p:nvPr>
-            <p:ph type="title"/>
-          </p:nvPr>
-        </p:nvSpPr>
-        <p:spPr/>
-        <p:txBody>
-          <a:bodyPr/>
-          <a:lstStyle/>
-          <a:p>
-            <a:endParaRPr lang="en-CA"/>
-          </a:p>
-        </p:txBody>
-      </p:sp>
-      <p:sp>
-        <p:nvSpPr>
-          <p:cNvPr id="3" name="Content Placeholder 2"/>
-          <p:cNvSpPr>
-            <a:spLocks noGrp="1"/>
-          </p:cNvSpPr>
-          <p:nvPr>
-            <p:ph idx="1"/>
-          </p:nvPr>
-        </p:nvSpPr>
-        <p:spPr/>
-        <p:txBody>
-          <a:bodyPr/>
-          <a:lstStyle/>
-          <a:p>
-            <a:endParaRPr lang="en-CA"/>
-          </a:p>
-        </p:txBody>
-      </p:sp>
-      <p:pic>
-        <p:nvPicPr>
-          <p:cNvPr id="4" name="Picture 3"/>
-          <p:cNvPicPr>
-            <a:picLocks noChangeAspect="1"/>
-          </p:cNvPicPr>
-          <p:nvPr/>
-        </p:nvPicPr>
-        <p:blipFill>
-          <a:blip r:embed="rId2"/>
-          <a:stretch>
-            <a:fillRect/>
-          </a:stretch>
-        </p:blipFill>
-        <p:spPr>
-          <a:xfrm>
-            <a:off x="1161810" y="0"/>
-            <a:ext cx="9868379" cy="6858000"/>
-          </a:xfrm>
-          <a:prstGeom prst="rect">
-            <a:avLst/>
-          </a:prstGeom>
-        </p:spPr>
-      </p:pic>
-    </p:spTree>
-    <p:extLst>
-      <p:ext uri="{BB962C8B-B14F-4D97-AF65-F5344CB8AC3E}">
-        <p14:creationId xmlns:p14="http://schemas.microsoft.com/office/powerpoint/2010/main" val="3980761675"/>
-      </p:ext>
-    </p:extLst>
-  </p:cSld>
-  <p:clrMapOvr>
-    <a:masterClrMapping/>
-  </p:clrMapOvr>
-</p:sld>
-</file>
-
-<file path=ppt/slides/slide18.xml><?xml version="1.0" encoding="utf-8"?>
 <p:sld xmlns:a="http://schemas.openxmlformats.org/drawingml/2006/main" xmlns:r="http://schemas.openxmlformats.org/officeDocument/2006/relationships" xmlns:p="http://schemas.openxmlformats.org/presentationml/2006/main">
   <p:cSld>
     <p:spTree>
@@ -3956,7 +3868,7 @@
 </p:sld>
 </file>
 
-<file path=ppt/slides/slide19.xml><?xml version="1.0" encoding="utf-8"?>
+<file path=ppt/slides/slide18.xml><?xml version="1.0" encoding="utf-8"?>
 <p:sld xmlns:a="http://schemas.openxmlformats.org/drawingml/2006/main" xmlns:r="http://schemas.openxmlformats.org/officeDocument/2006/relationships" xmlns:p="http://schemas.openxmlformats.org/presentationml/2006/main">
   <p:cSld>
     <p:spTree>
@@ -4048,174 +3960,7 @@
 </p:sld>
 </file>
 
-<file path=ppt/slides/slide2.xml><?xml version="1.0" encoding="utf-8"?>
-<p:sld xmlns:a="http://schemas.openxmlformats.org/drawingml/2006/main" xmlns:r="http://schemas.openxmlformats.org/officeDocument/2006/relationships" xmlns:p="http://schemas.openxmlformats.org/presentationml/2006/main">
-  <p:cSld>
-    <p:spTree>
-      <p:nvGrpSpPr>
-        <p:cNvPr id="1" name=""/>
-        <p:cNvGrpSpPr/>
-        <p:nvPr/>
-      </p:nvGrpSpPr>
-      <p:grpSpPr>
-        <a:xfrm>
-          <a:off x="0" y="0"/>
-          <a:ext cx="0" cy="0"/>
-          <a:chOff x="0" y="0"/>
-          <a:chExt cx="0" cy="0"/>
-        </a:xfrm>
-      </p:grpSpPr>
-      <p:sp>
-        <p:nvSpPr>
-          <p:cNvPr id="2" name="Title 1"/>
-          <p:cNvSpPr>
-            <a:spLocks noGrp="1"/>
-          </p:cNvSpPr>
-          <p:nvPr>
-            <p:ph type="title"/>
-          </p:nvPr>
-        </p:nvSpPr>
-        <p:spPr/>
-        <p:txBody>
-          <a:bodyPr/>
-          <a:lstStyle/>
-          <a:p>
-            <a:endParaRPr lang="en-CA"/>
-          </a:p>
-        </p:txBody>
-      </p:sp>
-      <p:pic>
-        <p:nvPicPr>
-          <p:cNvPr id="4" name="Content Placeholder 3"/>
-          <p:cNvPicPr>
-            <a:picLocks noGrp="1" noChangeAspect="1"/>
-          </p:cNvPicPr>
-          <p:nvPr>
-            <p:ph idx="1"/>
-          </p:nvPr>
-        </p:nvPicPr>
-        <p:blipFill>
-          <a:blip r:embed="rId2"/>
-          <a:stretch>
-            <a:fillRect/>
-          </a:stretch>
-        </p:blipFill>
-        <p:spPr>
-          <a:xfrm>
-            <a:off x="1166648" y="447172"/>
-            <a:ext cx="8071946" cy="5676494"/>
-          </a:xfrm>
-          <a:prstGeom prst="rect">
-            <a:avLst/>
-          </a:prstGeom>
-        </p:spPr>
-      </p:pic>
-    </p:spTree>
-    <p:extLst>
-      <p:ext uri="{BB962C8B-B14F-4D97-AF65-F5344CB8AC3E}">
-        <p14:creationId xmlns:p14="http://schemas.microsoft.com/office/powerpoint/2010/main" val="2884729200"/>
-      </p:ext>
-    </p:extLst>
-  </p:cSld>
-  <p:clrMapOvr>
-    <a:masterClrMapping/>
-  </p:clrMapOvr>
-</p:sld>
-</file>
-
-<file path=ppt/slides/slide20.xml><?xml version="1.0" encoding="utf-8"?>
-<p:sld xmlns:a="http://schemas.openxmlformats.org/drawingml/2006/main" xmlns:r="http://schemas.openxmlformats.org/officeDocument/2006/relationships" xmlns:p="http://schemas.openxmlformats.org/presentationml/2006/main">
-  <p:cSld>
-    <p:spTree>
-      <p:nvGrpSpPr>
-        <p:cNvPr id="1" name=""/>
-        <p:cNvGrpSpPr/>
-        <p:nvPr/>
-      </p:nvGrpSpPr>
-      <p:grpSpPr>
-        <a:xfrm>
-          <a:off x="0" y="0"/>
-          <a:ext cx="0" cy="0"/>
-          <a:chOff x="0" y="0"/>
-          <a:chExt cx="0" cy="0"/>
-        </a:xfrm>
-      </p:grpSpPr>
-      <p:sp>
-        <p:nvSpPr>
-          <p:cNvPr id="2" name="Title 1"/>
-          <p:cNvSpPr>
-            <a:spLocks noGrp="1"/>
-          </p:cNvSpPr>
-          <p:nvPr>
-            <p:ph type="title"/>
-          </p:nvPr>
-        </p:nvSpPr>
-        <p:spPr/>
-        <p:txBody>
-          <a:bodyPr/>
-          <a:lstStyle/>
-          <a:p>
-            <a:endParaRPr lang="en-CA"/>
-          </a:p>
-        </p:txBody>
-      </p:sp>
-      <p:sp>
-        <p:nvSpPr>
-          <p:cNvPr id="3" name="Content Placeholder 2"/>
-          <p:cNvSpPr>
-            <a:spLocks noGrp="1"/>
-          </p:cNvSpPr>
-          <p:nvPr>
-            <p:ph idx="1"/>
-          </p:nvPr>
-        </p:nvSpPr>
-        <p:spPr/>
-        <p:txBody>
-          <a:bodyPr/>
-          <a:lstStyle/>
-          <a:p>
-            <a:endParaRPr lang="en-CA"/>
-          </a:p>
-        </p:txBody>
-      </p:sp>
-      <p:pic>
-        <p:nvPicPr>
-          <p:cNvPr id="4" name="Picture 3"/>
-          <p:cNvPicPr>
-            <a:picLocks noChangeAspect="1"/>
-          </p:cNvPicPr>
-          <p:nvPr/>
-        </p:nvPicPr>
-        <p:blipFill>
-          <a:blip r:embed="rId2"/>
-          <a:stretch>
-            <a:fillRect/>
-          </a:stretch>
-        </p:blipFill>
-        <p:spPr>
-          <a:xfrm>
-            <a:off x="1048752" y="0"/>
-            <a:ext cx="10094495" cy="6858000"/>
-          </a:xfrm>
-          <a:prstGeom prst="rect">
-            <a:avLst/>
-          </a:prstGeom>
-        </p:spPr>
-      </p:pic>
-    </p:spTree>
-    <p:extLst>
-      <p:ext uri="{BB962C8B-B14F-4D97-AF65-F5344CB8AC3E}">
-        <p14:creationId xmlns:p14="http://schemas.microsoft.com/office/powerpoint/2010/main" val="3904516796"/>
-      </p:ext>
-    </p:extLst>
-  </p:cSld>
-  <p:clrMapOvr>
-    <a:masterClrMapping/>
-  </p:clrMapOvr>
-</p:sld>
-</file>
-
-<file path=ppt/slides/slide21.xml><?xml version="1.0" encoding="utf-8"?>
+<file path=ppt/slides/slide19.xml><?xml version="1.0" encoding="utf-8"?>
 <p:sld xmlns:a="http://schemas.openxmlformats.org/drawingml/2006/main" xmlns:r="http://schemas.openxmlformats.org/officeDocument/2006/relationships" xmlns:p="http://schemas.openxmlformats.org/presentationml/2006/main">
   <p:cSld>
     <p:spTree>
@@ -4307,7 +4052,89 @@
 </p:sld>
 </file>
 
-<file path=ppt/slides/slide22.xml><?xml version="1.0" encoding="utf-8"?>
+<file path=ppt/slides/slide2.xml><?xml version="1.0" encoding="utf-8"?>
+<p:sld xmlns:a="http://schemas.openxmlformats.org/drawingml/2006/main" xmlns:r="http://schemas.openxmlformats.org/officeDocument/2006/relationships" xmlns:p="http://schemas.openxmlformats.org/presentationml/2006/main">
+  <p:cSld>
+    <p:spTree>
+      <p:nvGrpSpPr>
+        <p:cNvPr id="1" name=""/>
+        <p:cNvGrpSpPr/>
+        <p:nvPr/>
+      </p:nvGrpSpPr>
+      <p:grpSpPr>
+        <a:xfrm>
+          <a:off x="0" y="0"/>
+          <a:ext cx="0" cy="0"/>
+          <a:chOff x="0" y="0"/>
+          <a:chExt cx="0" cy="0"/>
+        </a:xfrm>
+      </p:grpSpPr>
+      <p:sp>
+        <p:nvSpPr>
+          <p:cNvPr id="2" name="Title 1"/>
+          <p:cNvSpPr>
+            <a:spLocks noGrp="1"/>
+          </p:cNvSpPr>
+          <p:nvPr>
+            <p:ph type="title"/>
+          </p:nvPr>
+        </p:nvSpPr>
+        <p:spPr/>
+        <p:txBody>
+          <a:bodyPr/>
+          <a:lstStyle/>
+          <a:p>
+            <a:endParaRPr lang="en-CA"/>
+          </a:p>
+        </p:txBody>
+      </p:sp>
+      <p:pic>
+        <p:nvPicPr>
+          <p:cNvPr id="4" name="Content Placeholder 3"/>
+          <p:cNvPicPr>
+            <a:picLocks noGrp="1" noChangeAspect="1"/>
+          </p:cNvPicPr>
+          <p:nvPr>
+            <p:ph idx="1"/>
+          </p:nvPr>
+        </p:nvPicPr>
+        <p:blipFill>
+          <a:blip r:embed="rId2"/>
+          <a:stretch>
+            <a:fillRect/>
+          </a:stretch>
+        </p:blipFill>
+        <p:spPr>
+          <a:xfrm>
+            <a:off x="1166648" y="447172"/>
+            <a:ext cx="8071946" cy="5676494"/>
+          </a:xfrm>
+          <a:prstGeom prst="rect">
+            <a:avLst/>
+          </a:prstGeom>
+        </p:spPr>
+      </p:pic>
+    </p:spTree>
+    <p:extLst>
+      <p:ext uri="{BB962C8B-B14F-4D97-AF65-F5344CB8AC3E}">
+        <p14:creationId xmlns:p14="http://schemas.microsoft.com/office/powerpoint/2010/main" val="2884729200"/>
+      </p:ext>
+    </p:extLst>
+  </p:cSld>
+  <p:clrMapOvr>
+    <a:masterClrMapping/>
+  </p:clrMapOvr>
+  <p:timing>
+    <p:tnLst>
+      <p:par>
+        <p:cTn id="1" dur="indefinite" restart="never" nodeType="tmRoot"/>
+      </p:par>
+    </p:tnLst>
+  </p:timing>
+</p:sld>
+</file>
+
+<file path=ppt/slides/slide20.xml><?xml version="1.0" encoding="utf-8"?>
 <p:sld xmlns:a="http://schemas.openxmlformats.org/drawingml/2006/main" xmlns:r="http://schemas.openxmlformats.org/officeDocument/2006/relationships" xmlns:p="http://schemas.openxmlformats.org/presentationml/2006/main">
   <p:cSld>
     <p:spTree>
@@ -4399,7 +4226,7 @@
 </p:sld>
 </file>
 
-<file path=ppt/slides/slide23.xml><?xml version="1.0" encoding="utf-8"?>
+<file path=ppt/slides/slide21.xml><?xml version="1.0" encoding="utf-8"?>
 <p:sld xmlns:a="http://schemas.openxmlformats.org/drawingml/2006/main" xmlns:r="http://schemas.openxmlformats.org/officeDocument/2006/relationships" xmlns:p="http://schemas.openxmlformats.org/presentationml/2006/main">
   <p:cSld>
     <p:spTree>
@@ -4470,7 +4297,7 @@
         </p:blipFill>
         <p:spPr>
           <a:xfrm>
-            <a:off x="750439" y="297468"/>
+            <a:off x="788539" y="177725"/>
             <a:ext cx="8557184" cy="6144321"/>
           </a:xfrm>
           <a:prstGeom prst="rect">
@@ -4580,6 +4407,13 @@
   <p:clrMapOvr>
     <a:masterClrMapping/>
   </p:clrMapOvr>
+  <p:timing>
+    <p:tnLst>
+      <p:par>
+        <p:cTn id="1" dur="indefinite" restart="never" nodeType="tmRoot"/>
+      </p:par>
+    </p:tnLst>
+  </p:timing>
 </p:sld>
 </file>
 
@@ -4637,12 +4471,6 @@
         <p:txBody>
           <a:bodyPr/>
           <a:lstStyle/>
-          <a:p>
-            <a:r>
-              <a:rPr lang="en-CA" dirty="0"/>
-              <a:t>Least squares</a:t>
-            </a:r>
-          </a:p>
           <a:p>
             <a:r>
               <a:rPr lang="en-CA" dirty="0" smtClean="0"/>
@@ -5062,7 +4890,7 @@
         </p:blipFill>
         <p:spPr>
           <a:xfrm>
-            <a:off x="1156955" y="0"/>
+            <a:off x="838200" y="-38100"/>
             <a:ext cx="9878090" cy="6858000"/>
           </a:xfrm>
           <a:prstGeom prst="rect">
